--- a/Review/Review 1/19C0-59,62,77 Review1 (18CS810) - incomplete.pptx
+++ b/Review/Review 1/19C0-59,62,77 Review1 (18CS810) - incomplete.pptx
@@ -20,6 +20,7 @@
     <p:sldId id="265" r:id="rId17"/>
     <p:sldId id="266" r:id="rId18"/>
     <p:sldId id="267" r:id="rId19"/>
+    <p:sldId id="268" r:id="rId20"/>
   </p:sldIdLst>
   <p:sldSz cx="9144000" cy="6858000"/>
   <p:notesSz cx="6858000" cy="9144000"/>
@@ -3863,7 +3864,7 @@
           <a:p>
             <a:pPr/>
             <a:r>
-              <a:t>Expected Outcomes</a:t>
+              <a:t>Work Completed</a:t>
             </a:r>
           </a:p>
         </p:txBody>
@@ -3957,7 +3958,7 @@
       </p:sp>
       <p:sp>
         <p:nvSpPr>
-          <p:cNvPr id="180" name="For the Smart trolley to read the RFID cards in the items and automatically add it to the customer's bill. At the end all the customer has to do is pay and take delivery of the items.…"/>
+          <p:cNvPr id="180" name="Double-click to edit"/>
           <p:cNvSpPr txBox="1"/>
           <p:nvPr>
             <p:ph type="body" idx="1"/>
@@ -3987,67 +3988,6 @@
                 <a:sym typeface="Cambria"/>
               </a:defRPr>
             </a:pPr>
-            <a:r>
-              <a:t>For the Smart trolley to read the RFID cards in the items and automatically add it to the customer's bill. At the end all the customer has to do is pay and take delivery of the items.</a:t>
-            </a:r>
-          </a:p>
-          <a:p>
-            <a:pPr marL="210552" indent="-210552" algn="just">
-              <a:buClrTx/>
-              <a:buSzPct val="100000"/>
-              <a:buFontTx/>
-              <a:defRPr sz="2100">
-                <a:latin typeface="Cambria"/>
-                <a:ea typeface="Cambria"/>
-                <a:cs typeface="Cambria"/>
-                <a:sym typeface="Cambria"/>
-              </a:defRPr>
-            </a:pPr>
-          </a:p>
-          <a:p>
-            <a:pPr marL="210552" indent="-210552" algn="just">
-              <a:buClrTx/>
-              <a:buSzPct val="100000"/>
-              <a:buFontTx/>
-              <a:defRPr sz="2100">
-                <a:latin typeface="Cambria"/>
-                <a:ea typeface="Cambria"/>
-                <a:cs typeface="Cambria"/>
-                <a:sym typeface="Cambria"/>
-              </a:defRPr>
-            </a:pPr>
-            <a:r>
-              <a:t>The shopkeepers will be provided with a clear recommendation of the products they need restock.</a:t>
-            </a:r>
-          </a:p>
-          <a:p>
-            <a:pPr marL="210552" indent="-210552" algn="just">
-              <a:buClrTx/>
-              <a:buSzPct val="100000"/>
-              <a:buFontTx/>
-              <a:defRPr sz="2100">
-                <a:latin typeface="Cambria"/>
-                <a:ea typeface="Cambria"/>
-                <a:cs typeface="Cambria"/>
-                <a:sym typeface="Cambria"/>
-              </a:defRPr>
-            </a:pPr>
-          </a:p>
-          <a:p>
-            <a:pPr marL="210552" indent="-210552" algn="just">
-              <a:buClrTx/>
-              <a:buSzPct val="100000"/>
-              <a:buFontTx/>
-              <a:defRPr sz="2100">
-                <a:latin typeface="Cambria"/>
-                <a:ea typeface="Cambria"/>
-                <a:cs typeface="Cambria"/>
-                <a:sym typeface="Cambria"/>
-              </a:defRPr>
-            </a:pPr>
-            <a:r>
-              <a:t>The shop-owners can manage the stocks better by collecting the necessary information such as the goods sold, available goods and to recommend the frequently sold products and their related products.</a:t>
-            </a:r>
           </a:p>
         </p:txBody>
       </p:sp>
@@ -4135,7 +4075,7 @@
         </p:nvSpPr>
         <p:spPr>
           <a:xfrm>
-            <a:off x="203200" y="4249"/>
+            <a:off x="317500" y="4249"/>
             <a:ext cx="8510700" cy="1143001"/>
           </a:xfrm>
           <a:prstGeom prst="rect">
@@ -4157,7 +4097,7 @@
           <a:p>
             <a:pPr/>
             <a:r>
-              <a:t>Action Plan</a:t>
+              <a:t>Expected Outcomes</a:t>
             </a:r>
           </a:p>
         </p:txBody>
@@ -4251,7 +4191,7 @@
       </p:sp>
       <p:sp>
         <p:nvSpPr>
-          <p:cNvPr id="186" name="Construct an IoT-based Scanner system that uses RFID scanner to scan the items.…"/>
+          <p:cNvPr id="186" name="For the Smart trolley to read the RFID cards in the items and automatically add it to the customer's bill. At the end all the customer has to do is pay and take delivery of the items.…"/>
           <p:cNvSpPr txBox="1"/>
           <p:nvPr>
             <p:ph type="body" idx="1"/>
@@ -4282,25 +4222,8 @@
               </a:defRPr>
             </a:pPr>
             <a:r>
-              <a:t>Construct an IoT-based Scanner system that uses RFID scanner to scan the items.</a:t>
-            </a:r>
-          </a:p>
-          <a:p>
-            <a:pPr marL="0" indent="0" algn="just">
-              <a:lnSpc>
-                <a:spcPct val="70000"/>
-              </a:lnSpc>
-              <a:buClrTx/>
-              <a:buSzTx/>
-              <a:buFontTx/>
-              <a:buNone/>
-              <a:defRPr sz="2100">
-                <a:latin typeface="Cambria"/>
-                <a:ea typeface="Cambria"/>
-                <a:cs typeface="Cambria"/>
-                <a:sym typeface="Cambria"/>
-              </a:defRPr>
-            </a:pPr>
+              <a:t>For the Smart trolley to read the RFID cards in the items and automatically add it to the customer's bill. At the end all the customer has to do is pay and take delivery of the items.</a:t>
+            </a:r>
           </a:p>
           <a:p>
             <a:pPr marL="210552" indent="-210552" algn="just">
@@ -4314,25 +4237,6 @@
                 <a:sym typeface="Cambria"/>
               </a:defRPr>
             </a:pPr>
-            <a:r>
-              <a:t>Fit the Scanner system into a shopping trolley in-order to achieve automated billing.</a:t>
-            </a:r>
-          </a:p>
-          <a:p>
-            <a:pPr marL="210552" indent="-210552" algn="just">
-              <a:lnSpc>
-                <a:spcPct val="70000"/>
-              </a:lnSpc>
-              <a:buClrTx/>
-              <a:buSzPct val="100000"/>
-              <a:buFontTx/>
-              <a:defRPr sz="2100">
-                <a:latin typeface="Cambria"/>
-                <a:ea typeface="Cambria"/>
-                <a:cs typeface="Cambria"/>
-                <a:sym typeface="Cambria"/>
-              </a:defRPr>
-            </a:pPr>
           </a:p>
           <a:p>
             <a:pPr marL="210552" indent="-210552" algn="just">
@@ -4347,24 +4251,8 @@
               </a:defRPr>
             </a:pPr>
             <a:r>
-              <a:t>Build a Recommendation system using machine learning.</a:t>
-            </a:r>
-          </a:p>
-          <a:p>
-            <a:pPr marL="210552" indent="-210552" algn="just">
-              <a:lnSpc>
-                <a:spcPct val="70000"/>
-              </a:lnSpc>
-              <a:buClrTx/>
-              <a:buSzPct val="100000"/>
-              <a:buFontTx/>
-              <a:defRPr sz="2100">
-                <a:latin typeface="Cambria"/>
-                <a:ea typeface="Cambria"/>
-                <a:cs typeface="Cambria"/>
-                <a:sym typeface="Cambria"/>
-              </a:defRPr>
-            </a:pPr>
+              <a:t>The shopkeepers will be provided with a clear recommendation of the products they need restock.</a:t>
+            </a:r>
           </a:p>
           <a:p>
             <a:pPr marL="210552" indent="-210552" algn="just">
@@ -4378,25 +4266,6 @@
                 <a:sym typeface="Cambria"/>
               </a:defRPr>
             </a:pPr>
-            <a:r>
-              <a:t>Code to feed the data collected using the scanner into the Recommendation system.</a:t>
-            </a:r>
-          </a:p>
-          <a:p>
-            <a:pPr marL="210552" indent="-210552" algn="just">
-              <a:lnSpc>
-                <a:spcPct val="70000"/>
-              </a:lnSpc>
-              <a:buClrTx/>
-              <a:buSzPct val="100000"/>
-              <a:buFontTx/>
-              <a:defRPr sz="2100">
-                <a:latin typeface="Cambria"/>
-                <a:ea typeface="Cambria"/>
-                <a:cs typeface="Cambria"/>
-                <a:sym typeface="Cambria"/>
-              </a:defRPr>
-            </a:pPr>
           </a:p>
           <a:p>
             <a:pPr marL="210552" indent="-210552" algn="just">
@@ -4411,7 +4280,7 @@
               </a:defRPr>
             </a:pPr>
             <a:r>
-              <a:t>Code to display the recommended products outputted by the model.</a:t>
+              <a:t>The shop-owners can manage the stocks better by collecting the necessary information such as the goods sold, available goods and to recommend the frequently sold products and their related products.</a:t>
             </a:r>
           </a:p>
         </p:txBody>
@@ -4522,7 +4391,7 @@
           <a:p>
             <a:pPr/>
             <a:r>
-              <a:t>References</a:t>
+              <a:t>Action Plan</a:t>
             </a:r>
           </a:p>
         </p:txBody>
@@ -4616,7 +4485,7 @@
       </p:sp>
       <p:sp>
         <p:nvSpPr>
-          <p:cNvPr id="192" name="Double-click to edit"/>
+          <p:cNvPr id="192" name="Construct an IoT-based Scanner system that uses RFID scanner to scan the items.…"/>
           <p:cNvSpPr txBox="1"/>
           <p:nvPr>
             <p:ph type="body" idx="1"/>
@@ -4635,11 +4504,375 @@
           <a:bodyPr anchor="ctr"/>
           <a:lstStyle/>
           <a:p>
+            <a:pPr marL="210552" indent="-210552" algn="just">
+              <a:buClrTx/>
+              <a:buSzPct val="100000"/>
+              <a:buFontTx/>
+              <a:defRPr sz="2100">
+                <a:latin typeface="Cambria"/>
+                <a:ea typeface="Cambria"/>
+                <a:cs typeface="Cambria"/>
+                <a:sym typeface="Cambria"/>
+              </a:defRPr>
+            </a:pPr>
+            <a:r>
+              <a:t>Construct an IoT-based Scanner system that uses RFID scanner to scan the items.</a:t>
+            </a:r>
+          </a:p>
+          <a:p>
             <a:pPr marL="0" indent="0" algn="just">
+              <a:lnSpc>
+                <a:spcPct val="70000"/>
+              </a:lnSpc>
               <a:buClrTx/>
               <a:buSzTx/>
               <a:buFontTx/>
               <a:buNone/>
+              <a:defRPr sz="2100">
+                <a:latin typeface="Cambria"/>
+                <a:ea typeface="Cambria"/>
+                <a:cs typeface="Cambria"/>
+                <a:sym typeface="Cambria"/>
+              </a:defRPr>
+            </a:pPr>
+          </a:p>
+          <a:p>
+            <a:pPr marL="210552" indent="-210552" algn="just">
+              <a:buClrTx/>
+              <a:buSzPct val="100000"/>
+              <a:buFontTx/>
+              <a:defRPr sz="2100">
+                <a:latin typeface="Cambria"/>
+                <a:ea typeface="Cambria"/>
+                <a:cs typeface="Cambria"/>
+                <a:sym typeface="Cambria"/>
+              </a:defRPr>
+            </a:pPr>
+            <a:r>
+              <a:t>Fit the Scanner system into a shopping trolley in-order to achieve automated billing.</a:t>
+            </a:r>
+          </a:p>
+          <a:p>
+            <a:pPr marL="210552" indent="-210552" algn="just">
+              <a:lnSpc>
+                <a:spcPct val="70000"/>
+              </a:lnSpc>
+              <a:buClrTx/>
+              <a:buSzPct val="100000"/>
+              <a:buFontTx/>
+              <a:defRPr sz="2100">
+                <a:latin typeface="Cambria"/>
+                <a:ea typeface="Cambria"/>
+                <a:cs typeface="Cambria"/>
+                <a:sym typeface="Cambria"/>
+              </a:defRPr>
+            </a:pPr>
+          </a:p>
+          <a:p>
+            <a:pPr marL="210552" indent="-210552" algn="just">
+              <a:buClrTx/>
+              <a:buSzPct val="100000"/>
+              <a:buFontTx/>
+              <a:defRPr sz="2100">
+                <a:latin typeface="Cambria"/>
+                <a:ea typeface="Cambria"/>
+                <a:cs typeface="Cambria"/>
+                <a:sym typeface="Cambria"/>
+              </a:defRPr>
+            </a:pPr>
+            <a:r>
+              <a:t>Build a Recommendation system using machine learning.</a:t>
+            </a:r>
+          </a:p>
+          <a:p>
+            <a:pPr marL="210552" indent="-210552" algn="just">
+              <a:lnSpc>
+                <a:spcPct val="70000"/>
+              </a:lnSpc>
+              <a:buClrTx/>
+              <a:buSzPct val="100000"/>
+              <a:buFontTx/>
+              <a:defRPr sz="2100">
+                <a:latin typeface="Cambria"/>
+                <a:ea typeface="Cambria"/>
+                <a:cs typeface="Cambria"/>
+                <a:sym typeface="Cambria"/>
+              </a:defRPr>
+            </a:pPr>
+          </a:p>
+          <a:p>
+            <a:pPr marL="210552" indent="-210552" algn="just">
+              <a:buClrTx/>
+              <a:buSzPct val="100000"/>
+              <a:buFontTx/>
+              <a:defRPr sz="2100">
+                <a:latin typeface="Cambria"/>
+                <a:ea typeface="Cambria"/>
+                <a:cs typeface="Cambria"/>
+                <a:sym typeface="Cambria"/>
+              </a:defRPr>
+            </a:pPr>
+            <a:r>
+              <a:t>Code to feed the data collected using the scanner into the Recommendation system.</a:t>
+            </a:r>
+          </a:p>
+          <a:p>
+            <a:pPr marL="210552" indent="-210552" algn="just">
+              <a:lnSpc>
+                <a:spcPct val="70000"/>
+              </a:lnSpc>
+              <a:buClrTx/>
+              <a:buSzPct val="100000"/>
+              <a:buFontTx/>
+              <a:defRPr sz="2100">
+                <a:latin typeface="Cambria"/>
+                <a:ea typeface="Cambria"/>
+                <a:cs typeface="Cambria"/>
+                <a:sym typeface="Cambria"/>
+              </a:defRPr>
+            </a:pPr>
+          </a:p>
+          <a:p>
+            <a:pPr marL="210552" indent="-210552" algn="just">
+              <a:buClrTx/>
+              <a:buSzPct val="100000"/>
+              <a:buFontTx/>
+              <a:defRPr sz="2100">
+                <a:latin typeface="Cambria"/>
+                <a:ea typeface="Cambria"/>
+                <a:cs typeface="Cambria"/>
+                <a:sym typeface="Cambria"/>
+              </a:defRPr>
+            </a:pPr>
+            <a:r>
+              <a:t>Code to display the recommended products outputted by the model.</a:t>
+            </a:r>
+          </a:p>
+        </p:txBody>
+      </p:sp>
+    </p:spTree>
+  </p:cSld>
+  <p:clrMapOvr>
+    <a:masterClrMapping/>
+  </p:clrMapOvr>
+  <p:transition xmlns:p14="http://schemas.microsoft.com/office/powerpoint/2010/main" spd="med" advClick="1"/>
+</p:sld>
+</file>
+
+<file path=ppt/slides/slide13.xml><?xml version="1.0" encoding="utf-8"?>
+<p:sld xmlns:a="http://schemas.openxmlformats.org/drawingml/2006/main" xmlns:r="http://schemas.openxmlformats.org/officeDocument/2006/relationships" xmlns:p="http://schemas.openxmlformats.org/presentationml/2006/main" xmlns:m="http://schemas.openxmlformats.org/officeDocument/2006/math" xmlns:a14="http://schemas.microsoft.com/office/drawing/2010/main" showMasterSp="1" showMasterPhAnim="1">
+  <p:cSld>
+    <p:spTree>
+      <p:nvGrpSpPr>
+        <p:cNvPr id="1" name=""/>
+        <p:cNvGrpSpPr/>
+        <p:nvPr/>
+      </p:nvGrpSpPr>
+      <p:grpSpPr>
+        <a:xfrm>
+          <a:off x="0" y="0"/>
+          <a:ext cx="0" cy="0"/>
+          <a:chOff x="0" y="0"/>
+          <a:chExt cx="0" cy="0"/>
+        </a:xfrm>
+      </p:grpSpPr>
+      <p:sp>
+        <p:nvSpPr>
+          <p:cNvPr id="194" name="Google Shape;104;p2"/>
+          <p:cNvSpPr txBox="1"/>
+          <p:nvPr/>
+        </p:nvSpPr>
+        <p:spPr>
+          <a:xfrm>
+            <a:off x="2407924" y="6398533"/>
+            <a:ext cx="4099552" cy="280759"/>
+          </a:xfrm>
+          <a:prstGeom prst="rect">
+            <a:avLst/>
+          </a:prstGeom>
+          <a:ln w="12700">
+            <a:miter lim="400000"/>
+          </a:ln>
+          <a:extLst>
+            <a:ext uri="{C572A759-6A51-4108-AA02-DFA0A04FC94B}">
+              <ma14:wrappingTextBoxFlag xmlns:ma14="http://schemas.microsoft.com/office/mac/drawingml/2011/main" val="1"/>
+            </a:ext>
+          </a:extLst>
+        </p:spPr>
+        <p:txBody>
+          <a:bodyPr lIns="45699" tIns="45699" rIns="45699" bIns="45699" anchor="ctr">
+            <a:spAutoFit/>
+          </a:bodyPr>
+          <a:lstStyle>
+            <a:lvl1pPr algn="ctr">
+              <a:defRPr b="1">
+                <a:solidFill>
+                  <a:srgbClr val="FF0000"/>
+                </a:solidFill>
+                <a:latin typeface="Calibri"/>
+                <a:ea typeface="Calibri"/>
+                <a:cs typeface="Calibri"/>
+                <a:sym typeface="Calibri"/>
+              </a:defRPr>
+            </a:lvl1pPr>
+          </a:lstStyle>
+          <a:p>
+            <a:pPr/>
+            <a:r>
+              <a:t>Department of  Computer Science and Engineering</a:t>
+            </a:r>
+          </a:p>
+        </p:txBody>
+      </p:sp>
+      <p:sp>
+        <p:nvSpPr>
+          <p:cNvPr id="195" name="Google Shape;102;p2"/>
+          <p:cNvSpPr txBox="1"/>
+          <p:nvPr>
+            <p:ph type="title"/>
+          </p:nvPr>
+        </p:nvSpPr>
+        <p:spPr>
+          <a:xfrm>
+            <a:off x="203200" y="4249"/>
+            <a:ext cx="8510700" cy="1143001"/>
+          </a:xfrm>
+          <a:prstGeom prst="rect">
+            <a:avLst/>
+          </a:prstGeom>
+        </p:spPr>
+        <p:txBody>
+          <a:bodyPr/>
+          <a:lstStyle>
+            <a:lvl1pPr>
+              <a:defRPr cap="small">
+                <a:latin typeface="Cambria"/>
+                <a:ea typeface="Cambria"/>
+                <a:cs typeface="Cambria"/>
+                <a:sym typeface="Cambria"/>
+              </a:defRPr>
+            </a:lvl1pPr>
+          </a:lstStyle>
+          <a:p>
+            <a:pPr/>
+            <a:r>
+              <a:t>References</a:t>
+            </a:r>
+          </a:p>
+        </p:txBody>
+      </p:sp>
+      <p:sp>
+        <p:nvSpPr>
+          <p:cNvPr id="196" name="Google Shape;103;p2"/>
+          <p:cNvSpPr txBox="1"/>
+          <p:nvPr/>
+        </p:nvSpPr>
+        <p:spPr>
+          <a:xfrm>
+            <a:off x="502925" y="6414780"/>
+            <a:ext cx="2042150" cy="248265"/>
+          </a:xfrm>
+          <a:prstGeom prst="rect">
+            <a:avLst/>
+          </a:prstGeom>
+          <a:ln w="12700">
+            <a:miter lim="400000"/>
+          </a:ln>
+          <a:extLst>
+            <a:ext uri="{C572A759-6A51-4108-AA02-DFA0A04FC94B}">
+              <ma14:wrappingTextBoxFlag xmlns:ma14="http://schemas.microsoft.com/office/mac/drawingml/2011/main" val="1"/>
+            </a:ext>
+          </a:extLst>
+        </p:spPr>
+        <p:txBody>
+          <a:bodyPr lIns="45699" tIns="45699" rIns="45699" bIns="45699" anchor="ctr">
+            <a:spAutoFit/>
+          </a:bodyPr>
+          <a:lstStyle>
+            <a:lvl1pPr>
+              <a:defRPr b="1" sz="1200">
+                <a:solidFill>
+                  <a:srgbClr val="FF0000"/>
+                </a:solidFill>
+                <a:latin typeface="Calibri"/>
+                <a:ea typeface="Calibri"/>
+                <a:cs typeface="Calibri"/>
+                <a:sym typeface="Calibri"/>
+              </a:defRPr>
+            </a:lvl1pPr>
+          </a:lstStyle>
+          <a:p>
+            <a:pPr/>
+            <a:r>
+              <a:t>10/02/2023</a:t>
+            </a:r>
+          </a:p>
+        </p:txBody>
+      </p:sp>
+      <p:sp>
+        <p:nvSpPr>
+          <p:cNvPr id="197" name="Google Shape;105;p2"/>
+          <p:cNvSpPr txBox="1"/>
+          <p:nvPr>
+            <p:ph type="sldNum" sz="quarter" idx="2"/>
+          </p:nvPr>
+        </p:nvSpPr>
+        <p:spPr>
+          <a:xfrm>
+            <a:off x="8428216" y="6414780"/>
+            <a:ext cx="258584" cy="248265"/>
+          </a:xfrm>
+          <a:prstGeom prst="rect">
+            <a:avLst/>
+          </a:prstGeom>
+          <a:extLst>
+            <a:ext uri="{C572A759-6A51-4108-AA02-DFA0A04FC94B}">
+              <ma14:wrappingTextBoxFlag xmlns:ma14="http://schemas.microsoft.com/office/mac/drawingml/2011/main" val="1"/>
+            </a:ext>
+          </a:extLst>
+        </p:spPr>
+        <p:txBody>
+          <a:bodyPr/>
+          <a:lstStyle>
+            <a:lvl1pPr>
+              <a:defRPr>
+                <a:solidFill>
+                  <a:srgbClr val="FF0000"/>
+                </a:solidFill>
+              </a:defRPr>
+            </a:lvl1pPr>
+          </a:lstStyle>
+          <a:p>
+            <a:pPr/>
+            <a:fld id="{86CB4B4D-7CA3-9044-876B-883B54F8677D}" type="slidenum"/>
+          </a:p>
+        </p:txBody>
+      </p:sp>
+      <p:sp>
+        <p:nvSpPr>
+          <p:cNvPr id="198" name="Double-click to edit"/>
+          <p:cNvSpPr txBox="1"/>
+          <p:nvPr>
+            <p:ph type="body" idx="1"/>
+          </p:nvPr>
+        </p:nvSpPr>
+        <p:spPr>
+          <a:xfrm>
+            <a:off x="457200" y="1016000"/>
+            <a:ext cx="8229600" cy="5054600"/>
+          </a:xfrm>
+          <a:prstGeom prst="rect">
+            <a:avLst/>
+          </a:prstGeom>
+        </p:spPr>
+        <p:txBody>
+          <a:bodyPr anchor="ctr"/>
+          <a:lstStyle/>
+          <a:p>
+            <a:pPr marL="210552" indent="-210552">
+              <a:buClrTx/>
+              <a:buSzPct val="100000"/>
+              <a:buFontTx/>
               <a:defRPr sz="2100">
                 <a:latin typeface="Cambria"/>
                 <a:ea typeface="Cambria"/>
@@ -5138,7 +5371,7 @@
       </p:sp>
       <p:sp>
         <p:nvSpPr>
-          <p:cNvPr id="138" name="Automated Shopping Cart Using RFID with a Collaborative Clustering Driven Recommendation System…"/>
+          <p:cNvPr id="138" name="Automated Shopping Cart Using RFID…"/>
           <p:cNvSpPr txBox="1"/>
           <p:nvPr>
             <p:ph type="body" idx="1"/>
@@ -5157,36 +5390,58 @@
           <a:bodyPr/>
           <a:lstStyle/>
           <a:p>
-            <a:pPr marL="0" indent="0" algn="ctr">
+            <a:pPr marL="0" indent="0" algn="ctr" defTabSz="877823">
+              <a:spcBef>
+                <a:spcPts val="200"/>
+              </a:spcBef>
               <a:buClrTx/>
               <a:buSzTx/>
               <a:buFontTx/>
               <a:buNone/>
-              <a:defRPr b="1" sz="2500"/>
+              <a:defRPr b="1" sz="2400">
+                <a:latin typeface="Cambria"/>
+                <a:ea typeface="Cambria"/>
+                <a:cs typeface="Cambria"/>
+                <a:sym typeface="Cambria"/>
+              </a:defRPr>
             </a:pPr>
             <a:r>
-              <a:t>Automated Shopping Cart Using RFID with a Collaborative Clustering Driven Recommendation System</a:t>
-            </a:r>
-          </a:p>
-          <a:p>
-            <a:pPr marL="0" indent="0" algn="ctr">
+              <a:t>Automated Shopping Cart Using RFID</a:t>
+            </a:r>
+          </a:p>
+          <a:p>
+            <a:pPr marL="0" indent="0" algn="ctr" defTabSz="877823">
+              <a:lnSpc>
+                <a:spcPct val="40000"/>
+              </a:lnSpc>
+              <a:spcBef>
+                <a:spcPts val="200"/>
+              </a:spcBef>
               <a:buClrTx/>
               <a:buSzTx/>
               <a:buFontTx/>
               <a:buNone/>
-              <a:defRPr b="1" sz="2500"/>
+              <a:defRPr b="1" sz="2400"/>
             </a:pPr>
           </a:p>
           <a:p>
-            <a:pPr marL="0" indent="0" algn="just">
+            <a:pPr marL="0" indent="0" algn="just" defTabSz="877823">
+              <a:spcBef>
+                <a:spcPts val="200"/>
+              </a:spcBef>
               <a:buClrTx/>
               <a:buSzTx/>
               <a:buFontTx/>
               <a:buNone/>
-              <a:defRPr sz="2100"/>
+              <a:defRPr sz="2016">
+                <a:latin typeface="Cambria"/>
+                <a:ea typeface="Cambria"/>
+                <a:cs typeface="Cambria"/>
+                <a:sym typeface="Cambria"/>
+              </a:defRPr>
             </a:pPr>
             <a:r>
-              <a:t>review here</a:t>
+              <a:t>Recent advancements in technology have seen a significant reduction in human intervention. New technologies are introduced to replace outdated conventions where emphasis is put on the incorporation of Artificial Intelligence and Automation in our daily lives. One of the most important sectors affected, the shopping industry, needs to adapt to meet government and social security standards. This paper addresses a Smart Shopping Cart System where the entire shopping experience is automated and handled by the customer. It details a more efficient online mode of shopping which not only reduces the need for hands-on staff but also provides specialized recommendations to users using collaborative clustering to update the shopping experience and meet the demands of our time. The current shopping system has many limitations, and introduction of Radio-Frequency Identification (RFID) technology as the core identification mechanism can prove useful for applications such as security, safety and inventory management.</a:t>
             </a:r>
           </a:p>
         </p:txBody>
@@ -5421,7 +5676,12 @@
               <a:buSzTx/>
               <a:buFontTx/>
               <a:buNone/>
-              <a:defRPr b="1" sz="2375"/>
+              <a:defRPr b="1" sz="2375">
+                <a:latin typeface="Cambria"/>
+                <a:ea typeface="Cambria"/>
+                <a:cs typeface="Cambria"/>
+                <a:sym typeface="Cambria"/>
+              </a:defRPr>
             </a:pPr>
             <a:r>
               <a:t>Smart Trolley for Smart Shopping with an Advance</a:t>
@@ -5683,36 +5943,63 @@
           <a:bodyPr/>
           <a:lstStyle/>
           <a:p>
-            <a:pPr marL="0" indent="0" algn="ctr">
+            <a:pPr marL="0" indent="0" algn="ctr" defTabSz="886968">
+              <a:spcBef>
+                <a:spcPts val="200"/>
+              </a:spcBef>
               <a:buClrTx/>
               <a:buSzTx/>
               <a:buFontTx/>
               <a:buNone/>
-              <a:defRPr b="1" sz="2500"/>
+              <a:defRPr b="1" sz="2425">
+                <a:latin typeface="Cambria"/>
+                <a:ea typeface="Cambria"/>
+                <a:cs typeface="Cambria"/>
+                <a:sym typeface="Cambria"/>
+              </a:defRPr>
             </a:pPr>
             <a:r>
               <a:t>Product Recommendation System for Supermarket</a:t>
             </a:r>
           </a:p>
           <a:p>
-            <a:pPr marL="0" indent="0" algn="ctr">
+            <a:pPr marL="0" indent="0" algn="ctr" defTabSz="886968">
+              <a:lnSpc>
+                <a:spcPct val="40000"/>
+              </a:lnSpc>
+              <a:spcBef>
+                <a:spcPts val="200"/>
+              </a:spcBef>
               <a:buClrTx/>
               <a:buSzTx/>
               <a:buFontTx/>
               <a:buNone/>
-              <a:defRPr b="1" sz="2500"/>
+              <a:defRPr b="1" sz="2425">
+                <a:latin typeface="Cambria"/>
+                <a:ea typeface="Cambria"/>
+                <a:cs typeface="Cambria"/>
+                <a:sym typeface="Cambria"/>
+              </a:defRPr>
             </a:pPr>
           </a:p>
           <a:p>
-            <a:pPr marL="0" indent="0" algn="just">
+            <a:pPr marL="0" indent="0" algn="just" defTabSz="886968">
+              <a:spcBef>
+                <a:spcPts val="200"/>
+              </a:spcBef>
               <a:buClrTx/>
               <a:buSzTx/>
               <a:buFontTx/>
               <a:buNone/>
-              <a:defRPr sz="2100"/>
+              <a:defRPr sz="2037">
+                <a:latin typeface="Cambria"/>
+                <a:ea typeface="Cambria"/>
+                <a:cs typeface="Cambria"/>
+                <a:sym typeface="Cambria"/>
+              </a:defRPr>
             </a:pPr>
             <a:r>
-              <a:t>review here</a:t>
+              <a:t>Customers who seek the services at supermarkets are subjected to inconsistencies &amp; ambiguities over choosing their desired products from a wide range of products with the closest quality. Meanwhile, supermarkets find it very difficult to satiate the customers’ demand. Therefore, proposing a method to analyze the customers’ need plays an important role in attracting new and regular customers. The purpose of this study is to formulate a product recommendation system which analyze customers’ needs and thus recommend the best products. This system recommends products to the regular customers and to the new customers as well. New customers mean obviously the customers with no purchasing history at the supermarket in question. The system referred to recommends the products to the new customers using up two method. One method recommends the most popular products while the other method solely focuses on the product description for recommendation.</a:t>
             </a:r>
           </a:p>
         </p:txBody>
@@ -5801,7 +6088,7 @@
         </p:nvSpPr>
         <p:spPr>
           <a:xfrm>
-            <a:off x="317500" y="4249"/>
+            <a:off x="203200" y="4249"/>
             <a:ext cx="8510700" cy="1143001"/>
           </a:xfrm>
           <a:prstGeom prst="rect">
@@ -5823,7 +6110,7 @@
           <a:p>
             <a:pPr/>
             <a:r>
-              <a:t>Problem Formulation</a:t>
+              <a:t>Literature Review</a:t>
             </a:r>
           </a:p>
         </p:txBody>
@@ -5917,7 +6204,7 @@
       </p:sp>
       <p:sp>
         <p:nvSpPr>
-          <p:cNvPr id="156" name="The problem faced by the offline store owners is the lack of data and insights on customer preferences and behavior. This can make it difficult for them to make informed decisions on inventory, promotions, and marketing strategies and to recommend produc"/>
+          <p:cNvPr id="156" name="Product Recommendation System for Supermarket…"/>
           <p:cNvSpPr txBox="1"/>
           <p:nvPr>
             <p:ph type="body" idx="1"/>
@@ -5925,7 +6212,7 @@
         </p:nvSpPr>
         <p:spPr>
           <a:xfrm>
-            <a:off x="508000" y="914400"/>
+            <a:off x="457200" y="1016000"/>
             <a:ext cx="8229600" cy="5257800"/>
           </a:xfrm>
           <a:prstGeom prst="rect">
@@ -5933,13 +6220,64 @@
           </a:prstGeom>
         </p:spPr>
         <p:txBody>
-          <a:bodyPr anchor="ctr"/>
+          <a:bodyPr/>
           <a:lstStyle/>
           <a:p>
+            <a:pPr marL="0" indent="0" algn="ctr">
+              <a:buClrTx/>
+              <a:buSzTx/>
+              <a:buFontTx/>
+              <a:buNone/>
+              <a:defRPr b="1" sz="2500">
+                <a:latin typeface="Cambria"/>
+                <a:ea typeface="Cambria"/>
+                <a:cs typeface="Cambria"/>
+                <a:sym typeface="Cambria"/>
+              </a:defRPr>
+            </a:pPr>
+            <a:r>
+              <a:t>Product Recommendation System for Supermarket</a:t>
+            </a:r>
+          </a:p>
+          <a:p>
+            <a:pPr marL="0" indent="0" algn="ctr">
+              <a:buClrTx/>
+              <a:buSzTx/>
+              <a:buFontTx/>
+              <a:buNone/>
+              <a:defRPr sz="2500">
+                <a:solidFill>
+                  <a:srgbClr val="A7A7A7"/>
+                </a:solidFill>
+                <a:latin typeface="Cambria"/>
+                <a:ea typeface="Cambria"/>
+                <a:cs typeface="Cambria"/>
+                <a:sym typeface="Cambria"/>
+              </a:defRPr>
+            </a:pPr>
+            <a:r>
+              <a:t>(continuation)</a:t>
+            </a:r>
+          </a:p>
+          <a:p>
+            <a:pPr marL="0" indent="0" algn="ctr">
+              <a:lnSpc>
+                <a:spcPct val="40000"/>
+              </a:lnSpc>
+              <a:buClrTx/>
+              <a:buSzTx/>
+              <a:buFontTx/>
+              <a:buNone/>
+              <a:defRPr b="1" sz="2500">
+                <a:latin typeface="Cambria"/>
+                <a:ea typeface="Cambria"/>
+                <a:cs typeface="Cambria"/>
+                <a:sym typeface="Cambria"/>
+              </a:defRPr>
+            </a:pPr>
+          </a:p>
+          <a:p>
             <a:pPr marL="0" indent="0" algn="just">
-              <a:lnSpc>
-                <a:spcPct val="115000"/>
-              </a:lnSpc>
               <a:buClrTx/>
               <a:buSzTx/>
               <a:buFontTx/>
@@ -5952,44 +6290,7 @@
               </a:defRPr>
             </a:pPr>
             <a:r>
-              <a:t>The problem faced by the offline store owners is the lack of data and insights on customer preferences and behavior. This can make it difficult for them to make informed decisions on inventory, promotions, and marketing strategies and to recommend products based on the availability of the current stocks and arrival of new stocks.</a:t>
-            </a:r>
-          </a:p>
-          <a:p>
-            <a:pPr marL="0" indent="0" algn="just">
-              <a:lnSpc>
-                <a:spcPct val="115000"/>
-              </a:lnSpc>
-              <a:buClrTx/>
-              <a:buSzTx/>
-              <a:buFontTx/>
-              <a:buNone/>
-              <a:defRPr sz="2100">
-                <a:latin typeface="Cambria"/>
-                <a:ea typeface="Cambria"/>
-                <a:cs typeface="Cambria"/>
-                <a:sym typeface="Cambria"/>
-              </a:defRPr>
-            </a:pPr>
-          </a:p>
-          <a:p>
-            <a:pPr marL="0" indent="0" algn="just">
-              <a:lnSpc>
-                <a:spcPct val="115000"/>
-              </a:lnSpc>
-              <a:buClrTx/>
-              <a:buSzTx/>
-              <a:buFontTx/>
-              <a:buNone/>
-              <a:defRPr sz="2100">
-                <a:latin typeface="Cambria"/>
-                <a:ea typeface="Cambria"/>
-                <a:cs typeface="Cambria"/>
-                <a:sym typeface="Cambria"/>
-              </a:defRPr>
-            </a:pPr>
-            <a:r>
-              <a:t>An IoT-based recommendation system using machine learning could help store owners collect and analyze data on customer interactions and preferences, and provide personalized recommendations for products and promotions to the store owners and make the most sold and it’s related products always available. This would help store owners increase sales and improve customer satisfaction.</a:t>
+              <a:t>The system recommends the products to the regular customers using up user-based collaborative filtering, item based collaborative filtering and association rule mining. It recommends products to regular customers based on purchasing history and priority ratings given by other users who bought the products. Initially, the recommendation algorithm finds a set of customers who purchased and rated the products that overlap with the user who purchased and rated the products. The algorithm aggregates products from the customers with similar preference and eliminates the products the user has already purchased or rated. The proposed methodology improves the shopping experience of customers by recommending accurately and efficiently the products that are personalized to the need of the customers. </a:t>
             </a:r>
           </a:p>
         </p:txBody>
@@ -6078,7 +6379,7 @@
         </p:nvSpPr>
         <p:spPr>
           <a:xfrm>
-            <a:off x="203200" y="4249"/>
+            <a:off x="317500" y="4249"/>
             <a:ext cx="8510700" cy="1143001"/>
           </a:xfrm>
           <a:prstGeom prst="rect">
@@ -6100,7 +6401,7 @@
           <a:p>
             <a:pPr/>
             <a:r>
-              <a:t>Objectives</a:t>
+              <a:t>Problem Formulation</a:t>
             </a:r>
           </a:p>
         </p:txBody>
@@ -6194,7 +6495,7 @@
       </p:sp>
       <p:sp>
         <p:nvSpPr>
-          <p:cNvPr id="162" name="To automate the billing process instead of waiting for long queues at stores.…"/>
+          <p:cNvPr id="162" name="The problem faced by the offline store owners is the lack of data and insights on customer preferences and behavior. This can make it difficult for them to make informed decisions on inventory, promotions, and marketing strategies and to recommend produc"/>
           <p:cNvSpPr txBox="1"/>
           <p:nvPr>
             <p:ph type="body" idx="1"/>
@@ -6202,8 +6503,8 @@
         </p:nvSpPr>
         <p:spPr>
           <a:xfrm>
-            <a:off x="457200" y="1016000"/>
-            <a:ext cx="8229600" cy="5054600"/>
+            <a:off x="508000" y="914400"/>
+            <a:ext cx="8229600" cy="5257800"/>
           </a:xfrm>
           <a:prstGeom prst="rect">
             <a:avLst/>
@@ -6213,50 +6514,13 @@
           <a:bodyPr anchor="ctr"/>
           <a:lstStyle/>
           <a:p>
-            <a:pPr indent="-361950" algn="just">
-              <a:buSzPts val="2100"/>
-              <a:buFont typeface="Cambria"/>
-              <a:defRPr sz="2100">
-                <a:latin typeface="Cambria"/>
-                <a:ea typeface="Cambria"/>
-                <a:cs typeface="Cambria"/>
-                <a:sym typeface="Cambria"/>
-              </a:defRPr>
-            </a:pPr>
-            <a:r>
-              <a:t>To automate the billing process instead of waiting for long queues at stores.</a:t>
-            </a:r>
-          </a:p>
-          <a:p>
-            <a:pPr indent="-361950" algn="just">
-              <a:buSzPts val="2100"/>
-              <a:buFont typeface="Cambria"/>
-              <a:defRPr sz="2100">
-                <a:latin typeface="Cambria"/>
-                <a:ea typeface="Cambria"/>
-                <a:cs typeface="Cambria"/>
-                <a:sym typeface="Cambria"/>
-              </a:defRPr>
-            </a:pPr>
-          </a:p>
-          <a:p>
-            <a:pPr indent="-361950" algn="just">
-              <a:buSzPts val="2100"/>
-              <a:buFont typeface="Cambria"/>
-              <a:defRPr sz="2100">
-                <a:latin typeface="Cambria"/>
-                <a:ea typeface="Cambria"/>
-                <a:cs typeface="Cambria"/>
-                <a:sym typeface="Cambria"/>
-              </a:defRPr>
-            </a:pPr>
-            <a:r>
-              <a:t>To recommend a particular product and all of it’s related products based on the availability of current stocks and arrival of new stocks.</a:t>
-            </a:r>
-          </a:p>
-          <a:p>
-            <a:pPr marL="0" indent="457200" algn="just">
+            <a:pPr marL="0" indent="0" algn="just">
+              <a:lnSpc>
+                <a:spcPct val="115000"/>
+              </a:lnSpc>
+              <a:buClrTx/>
               <a:buSzTx/>
+              <a:buFontTx/>
               <a:buNone/>
               <a:defRPr sz="2100">
                 <a:latin typeface="Cambria"/>
@@ -6265,25 +6529,18 @@
                 <a:sym typeface="Cambria"/>
               </a:defRPr>
             </a:pPr>
-          </a:p>
-          <a:p>
-            <a:pPr indent="-361950" algn="just">
-              <a:buSzPts val="2100"/>
-              <a:buFont typeface="Cambria"/>
-              <a:defRPr sz="2100">
-                <a:latin typeface="Cambria"/>
-                <a:ea typeface="Cambria"/>
-                <a:cs typeface="Cambria"/>
-                <a:sym typeface="Cambria"/>
-              </a:defRPr>
-            </a:pPr>
-            <a:r>
-              <a:t>To manage the stocks better by collecting the necessary information such as the goods sold, available goods and to recommend the frequently sold products and their related products.</a:t>
-            </a:r>
-          </a:p>
-          <a:p>
-            <a:pPr marL="0" indent="457200" algn="just">
+            <a:r>
+              <a:t>The problem faced by the offline store owners is the lack of data and insights on customer preferences and behavior. This can make it difficult for them to make informed decisions on inventory, promotions, and marketing strategies and to recommend products based on the availability of the current stocks and arrival of new stocks.</a:t>
+            </a:r>
+          </a:p>
+          <a:p>
+            <a:pPr marL="0" indent="0" algn="just">
+              <a:lnSpc>
+                <a:spcPct val="115000"/>
+              </a:lnSpc>
+              <a:buClrTx/>
               <a:buSzTx/>
+              <a:buFontTx/>
               <a:buNone/>
               <a:defRPr sz="2100">
                 <a:latin typeface="Cambria"/>
@@ -6294,9 +6551,14 @@
             </a:pPr>
           </a:p>
           <a:p>
-            <a:pPr indent="-361950" algn="just">
-              <a:buSzPts val="2100"/>
-              <a:buFont typeface="Cambria"/>
+            <a:pPr marL="0" indent="0" algn="just">
+              <a:lnSpc>
+                <a:spcPct val="115000"/>
+              </a:lnSpc>
+              <a:buClrTx/>
+              <a:buSzTx/>
+              <a:buFontTx/>
+              <a:buNone/>
               <a:defRPr sz="2100">
                 <a:latin typeface="Cambria"/>
                 <a:ea typeface="Cambria"/>
@@ -6305,7 +6567,7 @@
               </a:defRPr>
             </a:pPr>
             <a:r>
-              <a:t>To implement better marketing strategies, to increase the sales of goods and services and make the business profitable.</a:t>
+              <a:t>An IoT-based recommendation system using machine learning could help store owners collect and analyze data on customer interactions and preferences, and provide personalized recommendations for products and promotions to the store owners and make the most sold and it’s related products always available. This would help store owners increase sales and improve customer satisfaction.</a:t>
             </a:r>
           </a:p>
         </p:txBody>
@@ -6394,7 +6656,7 @@
         </p:nvSpPr>
         <p:spPr>
           <a:xfrm>
-            <a:off x="317500" y="4249"/>
+            <a:off x="203200" y="4249"/>
             <a:ext cx="8510700" cy="1143001"/>
           </a:xfrm>
           <a:prstGeom prst="rect">
@@ -6405,7 +6667,7 @@
           <a:bodyPr/>
           <a:lstStyle>
             <a:lvl1pPr>
-              <a:defRPr cap="small" sz="4000">
+              <a:defRPr cap="small">
                 <a:latin typeface="Cambria"/>
                 <a:ea typeface="Cambria"/>
                 <a:cs typeface="Cambria"/>
@@ -6416,7 +6678,7 @@
           <a:p>
             <a:pPr/>
             <a:r>
-              <a:t>Methodologies to meet the Objectives</a:t>
+              <a:t>Objectives</a:t>
             </a:r>
           </a:p>
         </p:txBody>
@@ -6510,7 +6772,7 @@
       </p:sp>
       <p:sp>
         <p:nvSpPr>
-          <p:cNvPr id="168" name="To automate the billing process, we use a RFID scanner and read the objects that the customer places in their trolley during shopping.…"/>
+          <p:cNvPr id="168" name="To automate the billing process instead of waiting for long queues at stores.…"/>
           <p:cNvSpPr txBox="1"/>
           <p:nvPr>
             <p:ph type="body" idx="1"/>
@@ -6529,10 +6791,9 @@
           <a:bodyPr anchor="ctr"/>
           <a:lstStyle/>
           <a:p>
-            <a:pPr marL="210552" indent="-210552" algn="just">
-              <a:buClrTx/>
-              <a:buSzPct val="100000"/>
-              <a:buFontTx/>
+            <a:pPr indent="-361950" algn="just">
+              <a:buSzPts val="2100"/>
+              <a:buFont typeface="Cambria"/>
               <a:defRPr sz="2100">
                 <a:latin typeface="Cambria"/>
                 <a:ea typeface="Cambria"/>
@@ -6541,14 +6802,13 @@
               </a:defRPr>
             </a:pPr>
             <a:r>
-              <a:t>To automate the billing process, we use a RFID scanner and read the objects that the customer places in their trolley during shopping.</a:t>
-            </a:r>
-          </a:p>
-          <a:p>
-            <a:pPr marL="210552" indent="-210552" algn="just">
-              <a:buClrTx/>
-              <a:buSzPct val="100000"/>
-              <a:buFontTx/>
+              <a:t>To automate the billing process instead of waiting for long queues at stores.</a:t>
+            </a:r>
+          </a:p>
+          <a:p>
+            <a:pPr indent="-361950" algn="just">
+              <a:buSzPts val="2100"/>
+              <a:buFont typeface="Cambria"/>
               <a:defRPr sz="2100">
                 <a:latin typeface="Cambria"/>
                 <a:ea typeface="Cambria"/>
@@ -6558,10 +6818,9 @@
             </a:pPr>
           </a:p>
           <a:p>
-            <a:pPr marL="210552" indent="-210552" algn="just">
-              <a:buClrTx/>
-              <a:buSzPct val="100000"/>
-              <a:buFontTx/>
+            <a:pPr indent="-361950" algn="just">
+              <a:buSzPts val="2100"/>
+              <a:buFont typeface="Cambria"/>
               <a:defRPr sz="2100">
                 <a:latin typeface="Cambria"/>
                 <a:ea typeface="Cambria"/>
@@ -6570,14 +6829,13 @@
               </a:defRPr>
             </a:pPr>
             <a:r>
-              <a:t>We have chosen the RFID scanner because it the one of the most recent technologies that has proven to be very efficient. RFID is the optimal scanner that we can use to automate the billing process in shops.</a:t>
-            </a:r>
-          </a:p>
-          <a:p>
-            <a:pPr marL="210552" indent="-210552" algn="just">
-              <a:buClrTx/>
-              <a:buSzPct val="100000"/>
-              <a:buFontTx/>
+              <a:t>To recommend a particular product and all of it’s related products based on the availability of current stocks and arrival of new stocks.</a:t>
+            </a:r>
+          </a:p>
+          <a:p>
+            <a:pPr marL="0" indent="457200" algn="just">
+              <a:buSzTx/>
+              <a:buNone/>
               <a:defRPr sz="2100">
                 <a:latin typeface="Cambria"/>
                 <a:ea typeface="Cambria"/>
@@ -6587,10 +6845,9 @@
             </a:pPr>
           </a:p>
           <a:p>
-            <a:pPr marL="210552" indent="-210552" algn="just">
-              <a:buClrTx/>
-              <a:buSzPct val="100000"/>
-              <a:buFontTx/>
+            <a:pPr indent="-361950" algn="just">
+              <a:buSzPts val="2100"/>
+              <a:buFont typeface="Cambria"/>
               <a:defRPr sz="2100">
                 <a:latin typeface="Cambria"/>
                 <a:ea typeface="Cambria"/>
@@ -6599,14 +6856,13 @@
               </a:defRPr>
             </a:pPr>
             <a:r>
-              <a:t>We use a Arduino to build the RFID scanner system. And we use Wokwi as the simulation tool in case of IoT.</a:t>
-            </a:r>
-          </a:p>
-          <a:p>
-            <a:pPr marL="210552" indent="-210552" algn="just">
-              <a:buClrTx/>
-              <a:buSzPct val="100000"/>
-              <a:buFontTx/>
+              <a:t>To manage the stocks better by collecting the necessary information such as the goods sold, available goods and to recommend the frequently sold products and their related products.</a:t>
+            </a:r>
+          </a:p>
+          <a:p>
+            <a:pPr marL="0" indent="457200" algn="just">
+              <a:buSzTx/>
+              <a:buNone/>
               <a:defRPr sz="2100">
                 <a:latin typeface="Cambria"/>
                 <a:ea typeface="Cambria"/>
@@ -6616,10 +6872,9 @@
             </a:pPr>
           </a:p>
           <a:p>
-            <a:pPr marL="210552" indent="-210552" algn="just">
-              <a:buClrTx/>
-              <a:buSzPct val="100000"/>
-              <a:buFontTx/>
+            <a:pPr indent="-361950" algn="just">
+              <a:buSzPts val="2100"/>
+              <a:buFont typeface="Cambria"/>
               <a:defRPr sz="2100">
                 <a:latin typeface="Cambria"/>
                 <a:ea typeface="Cambria"/>
@@ -6628,7 +6883,7 @@
               </a:defRPr>
             </a:pPr>
             <a:r>
-              <a:t>In Inventory Management aspect, we use machine learning to build a recommendation system to recommend the shopkeepers with the products that they might want to restock.</a:t>
+              <a:t>To implement better marketing strategies, to increase the sales of goods and services and make the business profitable.</a:t>
             </a:r>
           </a:p>
         </p:txBody>
@@ -6728,7 +6983,7 @@
           <a:bodyPr/>
           <a:lstStyle>
             <a:lvl1pPr>
-              <a:defRPr cap="small">
+              <a:defRPr cap="small" sz="4000">
                 <a:latin typeface="Cambria"/>
                 <a:ea typeface="Cambria"/>
                 <a:cs typeface="Cambria"/>
@@ -6739,7 +6994,7 @@
           <a:p>
             <a:pPr/>
             <a:r>
-              <a:t>Work Completed</a:t>
+              <a:t>Methodologies to meet the Objectives</a:t>
             </a:r>
           </a:p>
         </p:txBody>
@@ -6833,7 +7088,7 @@
       </p:sp>
       <p:sp>
         <p:nvSpPr>
-          <p:cNvPr id="174" name="Double-click to edit"/>
+          <p:cNvPr id="174" name="To automate the billing process, we use a RFID scanner and read the objects that the customer places in their trolley during shopping.…"/>
           <p:cNvSpPr txBox="1"/>
           <p:nvPr>
             <p:ph type="body" idx="1"/>
@@ -6863,6 +7118,96 @@
                 <a:sym typeface="Cambria"/>
               </a:defRPr>
             </a:pPr>
+            <a:r>
+              <a:t>To automate the billing process, we use a RFID scanner and read the objects that the customer places in their trolley during shopping.</a:t>
+            </a:r>
+          </a:p>
+          <a:p>
+            <a:pPr marL="210552" indent="-210552" algn="just">
+              <a:buClrTx/>
+              <a:buSzPct val="100000"/>
+              <a:buFontTx/>
+              <a:defRPr sz="2100">
+                <a:latin typeface="Cambria"/>
+                <a:ea typeface="Cambria"/>
+                <a:cs typeface="Cambria"/>
+                <a:sym typeface="Cambria"/>
+              </a:defRPr>
+            </a:pPr>
+          </a:p>
+          <a:p>
+            <a:pPr marL="210552" indent="-210552" algn="just">
+              <a:buClrTx/>
+              <a:buSzPct val="100000"/>
+              <a:buFontTx/>
+              <a:defRPr sz="2100">
+                <a:latin typeface="Cambria"/>
+                <a:ea typeface="Cambria"/>
+                <a:cs typeface="Cambria"/>
+                <a:sym typeface="Cambria"/>
+              </a:defRPr>
+            </a:pPr>
+            <a:r>
+              <a:t>We have chosen the RFID scanner because it the one of the most recent technologies that has proven to be very efficient. RFID is the optimal scanner that we can use to automate the billing process in shops.</a:t>
+            </a:r>
+          </a:p>
+          <a:p>
+            <a:pPr marL="210552" indent="-210552" algn="just">
+              <a:buClrTx/>
+              <a:buSzPct val="100000"/>
+              <a:buFontTx/>
+              <a:defRPr sz="2100">
+                <a:latin typeface="Cambria"/>
+                <a:ea typeface="Cambria"/>
+                <a:cs typeface="Cambria"/>
+                <a:sym typeface="Cambria"/>
+              </a:defRPr>
+            </a:pPr>
+          </a:p>
+          <a:p>
+            <a:pPr marL="210552" indent="-210552" algn="just">
+              <a:buClrTx/>
+              <a:buSzPct val="100000"/>
+              <a:buFontTx/>
+              <a:defRPr sz="2100">
+                <a:latin typeface="Cambria"/>
+                <a:ea typeface="Cambria"/>
+                <a:cs typeface="Cambria"/>
+                <a:sym typeface="Cambria"/>
+              </a:defRPr>
+            </a:pPr>
+            <a:r>
+              <a:t>We use a Arduino to build the RFID scanner system. And we use Wokwi as the simulation tool in case of IoT.</a:t>
+            </a:r>
+          </a:p>
+          <a:p>
+            <a:pPr marL="210552" indent="-210552" algn="just">
+              <a:buClrTx/>
+              <a:buSzPct val="100000"/>
+              <a:buFontTx/>
+              <a:defRPr sz="2100">
+                <a:latin typeface="Cambria"/>
+                <a:ea typeface="Cambria"/>
+                <a:cs typeface="Cambria"/>
+                <a:sym typeface="Cambria"/>
+              </a:defRPr>
+            </a:pPr>
+          </a:p>
+          <a:p>
+            <a:pPr marL="210552" indent="-210552" algn="just">
+              <a:buClrTx/>
+              <a:buSzPct val="100000"/>
+              <a:buFontTx/>
+              <a:defRPr sz="2100">
+                <a:latin typeface="Cambria"/>
+                <a:ea typeface="Cambria"/>
+                <a:cs typeface="Cambria"/>
+                <a:sym typeface="Cambria"/>
+              </a:defRPr>
+            </a:pPr>
+            <a:r>
+              <a:t>In Inventory Management aspect, we use machine learning to build a recommendation system to recommend the shopkeepers with the products that they might want to restock.</a:t>
+            </a:r>
           </a:p>
         </p:txBody>
       </p:sp>

--- a/Review/Review 1/19C0-59,62,77 Review1 (18CS810) - incomplete.pptx
+++ b/Review/Review 1/19C0-59,62,77 Review1 (18CS810) - incomplete.pptx
@@ -3842,8 +3842,8 @@
         </p:nvSpPr>
         <p:spPr>
           <a:xfrm>
-            <a:off x="317500" y="4249"/>
-            <a:ext cx="8510700" cy="1143001"/>
+            <a:off x="2438400" y="4249"/>
+            <a:ext cx="4254500" cy="1143001"/>
           </a:xfrm>
           <a:prstGeom prst="rect">
             <a:avLst/>
@@ -3958,16 +3958,16 @@
       </p:sp>
       <p:sp>
         <p:nvSpPr>
-          <p:cNvPr id="180" name="Double-click to edit"/>
+          <p:cNvPr id="180" name="Designing Phase (Circuit &amp; Connections)…"/>
           <p:cNvSpPr txBox="1"/>
           <p:nvPr>
-            <p:ph type="body" idx="1"/>
+            <p:ph type="body" sz="half" idx="1"/>
           </p:nvPr>
         </p:nvSpPr>
         <p:spPr>
           <a:xfrm>
             <a:off x="457200" y="1016000"/>
-            <a:ext cx="8229600" cy="5054600"/>
+            <a:ext cx="8229600" cy="2044700"/>
           </a:xfrm>
           <a:prstGeom prst="rect">
             <a:avLst/>
@@ -3988,6 +3988,170 @@
                 <a:sym typeface="Cambria"/>
               </a:defRPr>
             </a:pPr>
+            <a:r>
+              <a:t>Designing Phase (Circuit &amp; Connections)</a:t>
+            </a:r>
+          </a:p>
+          <a:p>
+            <a:pPr marL="210552" indent="-210552" algn="just">
+              <a:buClrTx/>
+              <a:buSzPct val="100000"/>
+              <a:buFontTx/>
+              <a:defRPr sz="2100">
+                <a:latin typeface="Cambria"/>
+                <a:ea typeface="Cambria"/>
+                <a:cs typeface="Cambria"/>
+                <a:sym typeface="Cambria"/>
+              </a:defRPr>
+            </a:pPr>
+            <a:r>
+              <a:t>Machine Learning Model</a:t>
+            </a:r>
+          </a:p>
+          <a:p>
+            <a:pPr marL="210552" indent="-210552" algn="just">
+              <a:buClrTx/>
+              <a:buSzPct val="100000"/>
+              <a:buFontTx/>
+              <a:defRPr sz="2100">
+                <a:latin typeface="Cambria"/>
+                <a:ea typeface="Cambria"/>
+                <a:cs typeface="Cambria"/>
+                <a:sym typeface="Cambria"/>
+              </a:defRPr>
+            </a:pPr>
+            <a:r>
+              <a:t>Frontend</a:t>
+            </a:r>
+          </a:p>
+        </p:txBody>
+      </p:sp>
+      <p:sp>
+        <p:nvSpPr>
+          <p:cNvPr id="181" name="Work to be Done"/>
+          <p:cNvSpPr txBox="1"/>
+          <p:nvPr/>
+        </p:nvSpPr>
+        <p:spPr>
+          <a:xfrm>
+            <a:off x="2438400" y="3060700"/>
+            <a:ext cx="4254500" cy="1143000"/>
+          </a:xfrm>
+          <a:prstGeom prst="rect">
+            <a:avLst/>
+          </a:prstGeom>
+          <a:ln w="12700">
+            <a:miter lim="400000"/>
+          </a:ln>
+          <a:extLst>
+            <a:ext uri="{C572A759-6A51-4108-AA02-DFA0A04FC94B}">
+              <ma14:wrappingTextBoxFlag xmlns:ma14="http://schemas.microsoft.com/office/mac/drawingml/2011/main" val="1"/>
+            </a:ext>
+          </a:extLst>
+        </p:spPr>
+        <p:txBody>
+          <a:bodyPr lIns="45699" tIns="45699" rIns="45699" bIns="45699" anchor="ctr">
+            <a:normAutofit fontScale="100000" lnSpcReduction="0"/>
+          </a:bodyPr>
+          <a:lstStyle>
+            <a:lvl1pPr algn="ctr">
+              <a:defRPr cap="small" sz="4400">
+                <a:latin typeface="Cambria"/>
+                <a:ea typeface="Cambria"/>
+                <a:cs typeface="Cambria"/>
+                <a:sym typeface="Cambria"/>
+              </a:defRPr>
+            </a:lvl1pPr>
+          </a:lstStyle>
+          <a:p>
+            <a:pPr/>
+            <a:r>
+              <a:t>Work to be Done</a:t>
+            </a:r>
+          </a:p>
+        </p:txBody>
+      </p:sp>
+      <p:sp>
+        <p:nvSpPr>
+          <p:cNvPr id="182" name="Database COnnection…"/>
+          <p:cNvSpPr txBox="1"/>
+          <p:nvPr/>
+        </p:nvSpPr>
+        <p:spPr>
+          <a:xfrm>
+            <a:off x="457200" y="4102100"/>
+            <a:ext cx="8229600" cy="2044700"/>
+          </a:xfrm>
+          <a:prstGeom prst="rect">
+            <a:avLst/>
+          </a:prstGeom>
+          <a:ln w="12700">
+            <a:miter lim="400000"/>
+          </a:ln>
+          <a:extLst>
+            <a:ext uri="{C572A759-6A51-4108-AA02-DFA0A04FC94B}">
+              <ma14:wrappingTextBoxFlag xmlns:ma14="http://schemas.microsoft.com/office/mac/drawingml/2011/main" val="1"/>
+            </a:ext>
+          </a:extLst>
+        </p:spPr>
+        <p:txBody>
+          <a:bodyPr lIns="45699" tIns="45699" rIns="45699" bIns="45699" anchor="ctr">
+            <a:normAutofit fontScale="100000" lnSpcReduction="0"/>
+          </a:bodyPr>
+          <a:lstStyle/>
+          <a:p>
+            <a:pPr marL="210552" indent="-210552" algn="just">
+              <a:spcBef>
+                <a:spcPts val="300"/>
+              </a:spcBef>
+              <a:buSzPct val="100000"/>
+              <a:buChar char="•"/>
+              <a:defRPr sz="2100">
+                <a:latin typeface="Cambria"/>
+                <a:ea typeface="Cambria"/>
+                <a:cs typeface="Cambria"/>
+                <a:sym typeface="Cambria"/>
+              </a:defRPr>
+            </a:pPr>
+            <a:r>
+              <a:t>Database COnnection</a:t>
+            </a:r>
+          </a:p>
+          <a:p>
+            <a:pPr marL="210552" indent="-210552" algn="just">
+              <a:spcBef>
+                <a:spcPts val="300"/>
+              </a:spcBef>
+              <a:buSzPct val="100000"/>
+              <a:buChar char="•"/>
+              <a:defRPr sz="2100">
+                <a:latin typeface="Cambria"/>
+                <a:ea typeface="Cambria"/>
+                <a:cs typeface="Cambria"/>
+                <a:sym typeface="Cambria"/>
+              </a:defRPr>
+            </a:pPr>
+            <a:r>
+              <a:t>IoT Model (Coding Part)</a:t>
+            </a:r>
+          </a:p>
+          <a:p>
+            <a:pPr marL="210552" indent="-210552" algn="just">
+              <a:spcBef>
+                <a:spcPts val="300"/>
+              </a:spcBef>
+              <a:buSzPct val="100000"/>
+              <a:buChar char="•"/>
+              <a:defRPr sz="2100">
+                <a:latin typeface="Cambria"/>
+                <a:ea typeface="Cambria"/>
+                <a:cs typeface="Cambria"/>
+                <a:sym typeface="Cambria"/>
+              </a:defRPr>
+            </a:pPr>
+            <a:r>
+              <a:t>Integration of the different components</a:t>
+            </a:r>
           </a:p>
         </p:txBody>
       </p:sp>
@@ -4019,7 +4183,7 @@
       </p:grpSpPr>
       <p:sp>
         <p:nvSpPr>
-          <p:cNvPr id="182" name="Google Shape;104;p2"/>
+          <p:cNvPr id="184" name="Google Shape;104;p2"/>
           <p:cNvSpPr txBox="1"/>
           <p:nvPr/>
         </p:nvSpPr>
@@ -4067,7 +4231,7 @@
       </p:sp>
       <p:sp>
         <p:nvSpPr>
-          <p:cNvPr id="183" name="Google Shape;102;p2"/>
+          <p:cNvPr id="185" name="Google Shape;102;p2"/>
           <p:cNvSpPr txBox="1"/>
           <p:nvPr>
             <p:ph type="title"/>
@@ -4104,7 +4268,7 @@
       </p:sp>
       <p:sp>
         <p:nvSpPr>
-          <p:cNvPr id="184" name="Google Shape;103;p2"/>
+          <p:cNvPr id="186" name="Google Shape;103;p2"/>
           <p:cNvSpPr txBox="1"/>
           <p:nvPr/>
         </p:nvSpPr>
@@ -4152,7 +4316,7 @@
       </p:sp>
       <p:sp>
         <p:nvSpPr>
-          <p:cNvPr id="185" name="Google Shape;105;p2"/>
+          <p:cNvPr id="187" name="Google Shape;105;p2"/>
           <p:cNvSpPr txBox="1"/>
           <p:nvPr>
             <p:ph type="sldNum" sz="quarter" idx="2"/>
@@ -4191,7 +4355,7 @@
       </p:sp>
       <p:sp>
         <p:nvSpPr>
-          <p:cNvPr id="186" name="For the Smart trolley to read the RFID cards in the items and automatically add it to the customer's bill. At the end all the customer has to do is pay and take delivery of the items.…"/>
+          <p:cNvPr id="188" name="For the Smart trolley to read the RFID cards in the items and automatically add it to the customer's bill. At the end all the customer has to do is pay and take delivery of the items.…"/>
           <p:cNvSpPr txBox="1"/>
           <p:nvPr>
             <p:ph type="body" idx="1"/>
@@ -4313,7 +4477,7 @@
       </p:grpSpPr>
       <p:sp>
         <p:nvSpPr>
-          <p:cNvPr id="188" name="Google Shape;104;p2"/>
+          <p:cNvPr id="190" name="Google Shape;104;p2"/>
           <p:cNvSpPr txBox="1"/>
           <p:nvPr/>
         </p:nvSpPr>
@@ -4361,7 +4525,7 @@
       </p:sp>
       <p:sp>
         <p:nvSpPr>
-          <p:cNvPr id="189" name="Google Shape;102;p2"/>
+          <p:cNvPr id="191" name="Google Shape;102;p2"/>
           <p:cNvSpPr txBox="1"/>
           <p:nvPr>
             <p:ph type="title"/>
@@ -4398,7 +4562,7 @@
       </p:sp>
       <p:sp>
         <p:nvSpPr>
-          <p:cNvPr id="190" name="Google Shape;103;p2"/>
+          <p:cNvPr id="192" name="Google Shape;103;p2"/>
           <p:cNvSpPr txBox="1"/>
           <p:nvPr/>
         </p:nvSpPr>
@@ -4446,7 +4610,7 @@
       </p:sp>
       <p:sp>
         <p:nvSpPr>
-          <p:cNvPr id="191" name="Google Shape;105;p2"/>
+          <p:cNvPr id="193" name="Google Shape;105;p2"/>
           <p:cNvSpPr txBox="1"/>
           <p:nvPr>
             <p:ph type="sldNum" sz="quarter" idx="2"/>
@@ -4485,7 +4649,7 @@
       </p:sp>
       <p:sp>
         <p:nvSpPr>
-          <p:cNvPr id="192" name="Construct an IoT-based Scanner system that uses RFID scanner to scan the items.…"/>
+          <p:cNvPr id="194" name="Construct an IoT-based Scanner system that uses RFID scanner to scan the items.…"/>
           <p:cNvSpPr txBox="1"/>
           <p:nvPr>
             <p:ph type="body" idx="1"/>
@@ -4678,7 +4842,7 @@
       </p:grpSpPr>
       <p:sp>
         <p:nvSpPr>
-          <p:cNvPr id="194" name="Google Shape;104;p2"/>
+          <p:cNvPr id="196" name="Google Shape;104;p2"/>
           <p:cNvSpPr txBox="1"/>
           <p:nvPr/>
         </p:nvSpPr>
@@ -4726,7 +4890,7 @@
       </p:sp>
       <p:sp>
         <p:nvSpPr>
-          <p:cNvPr id="195" name="Google Shape;102;p2"/>
+          <p:cNvPr id="197" name="Google Shape;102;p2"/>
           <p:cNvSpPr txBox="1"/>
           <p:nvPr>
             <p:ph type="title"/>
@@ -4763,7 +4927,7 @@
       </p:sp>
       <p:sp>
         <p:nvSpPr>
-          <p:cNvPr id="196" name="Google Shape;103;p2"/>
+          <p:cNvPr id="198" name="Google Shape;103;p2"/>
           <p:cNvSpPr txBox="1"/>
           <p:nvPr/>
         </p:nvSpPr>
@@ -4811,7 +4975,7 @@
       </p:sp>
       <p:sp>
         <p:nvSpPr>
-          <p:cNvPr id="197" name="Google Shape;105;p2"/>
+          <p:cNvPr id="199" name="Google Shape;105;p2"/>
           <p:cNvSpPr txBox="1"/>
           <p:nvPr>
             <p:ph type="sldNum" sz="quarter" idx="2"/>
@@ -4850,7 +5014,7 @@
       </p:sp>
       <p:sp>
         <p:nvSpPr>
-          <p:cNvPr id="198" name="Double-click to edit"/>
+          <p:cNvPr id="200" name="Double-click to edit"/>
           <p:cNvSpPr txBox="1"/>
           <p:nvPr>
             <p:ph type="body" idx="1"/>
@@ -5390,7 +5554,7 @@
           <a:bodyPr/>
           <a:lstStyle/>
           <a:p>
-            <a:pPr marL="0" indent="0" algn="ctr" defTabSz="877823">
+            <a:pPr marL="0" indent="0" algn="ctr" defTabSz="822959">
               <a:spcBef>
                 <a:spcPts val="200"/>
               </a:spcBef>
@@ -5398,7 +5562,7 @@
               <a:buSzTx/>
               <a:buFontTx/>
               <a:buNone/>
-              <a:defRPr b="1" sz="2400">
+              <a:defRPr b="1" sz="2070">
                 <a:latin typeface="Cambria"/>
                 <a:ea typeface="Cambria"/>
                 <a:cs typeface="Cambria"/>
@@ -5410,7 +5574,7 @@
             </a:r>
           </a:p>
           <a:p>
-            <a:pPr marL="0" indent="0" algn="ctr" defTabSz="877823">
+            <a:pPr marL="0" indent="0" algn="ctr" defTabSz="822959">
               <a:lnSpc>
                 <a:spcPct val="40000"/>
               </a:lnSpc>
@@ -5421,11 +5585,16 @@
               <a:buSzTx/>
               <a:buFontTx/>
               <a:buNone/>
-              <a:defRPr b="1" sz="2400"/>
+              <a:defRPr b="1" sz="2250">
+                <a:latin typeface="Cambria"/>
+                <a:ea typeface="Cambria"/>
+                <a:cs typeface="Cambria"/>
+                <a:sym typeface="Cambria"/>
+              </a:defRPr>
             </a:pPr>
           </a:p>
           <a:p>
-            <a:pPr marL="0" indent="0" algn="just" defTabSz="877823">
+            <a:pPr marL="0" indent="0" algn="ctr" defTabSz="822959">
               <a:spcBef>
                 <a:spcPts val="200"/>
               </a:spcBef>
@@ -5433,7 +5602,42 @@
               <a:buSzTx/>
               <a:buFontTx/>
               <a:buNone/>
-              <a:defRPr sz="2016">
+              <a:defRPr b="1" sz="1350">
+                <a:latin typeface="Cambria"/>
+                <a:ea typeface="Cambria"/>
+                <a:cs typeface="Cambria"/>
+                <a:sym typeface="Cambria"/>
+              </a:defRPr>
+            </a:pPr>
+            <a:r>
+              <a:t>Presented on Second International Conference on Inventive Research in Computing Applications (ICIRCA - 2020)</a:t>
+            </a:r>
+          </a:p>
+          <a:p>
+            <a:pPr marL="0" indent="0" algn="ctr" defTabSz="822959">
+              <a:lnSpc>
+                <a:spcPct val="40000"/>
+              </a:lnSpc>
+              <a:spcBef>
+                <a:spcPts val="200"/>
+              </a:spcBef>
+              <a:buClrTx/>
+              <a:buSzTx/>
+              <a:buFontTx/>
+              <a:buNone/>
+              <a:defRPr b="1" sz="2250"/>
+            </a:pPr>
+          </a:p>
+          <a:p>
+            <a:pPr marL="0" indent="0" algn="just" defTabSz="822959">
+              <a:spcBef>
+                <a:spcPts val="200"/>
+              </a:spcBef>
+              <a:buClrTx/>
+              <a:buSzTx/>
+              <a:buFontTx/>
+              <a:buNone/>
+              <a:defRPr sz="1890">
                 <a:latin typeface="Cambria"/>
                 <a:ea typeface="Cambria"/>
                 <a:cs typeface="Cambria"/>
@@ -5665,7 +5869,7 @@
           <a:bodyPr anchor="ctr"/>
           <a:lstStyle/>
           <a:p>
-            <a:pPr marL="0" indent="0" algn="ctr" defTabSz="868680">
+            <a:pPr marL="0" indent="0" algn="ctr" defTabSz="822959">
               <a:lnSpc>
                 <a:spcPct val="70000"/>
               </a:lnSpc>
@@ -5676,7 +5880,7 @@
               <a:buSzTx/>
               <a:buFontTx/>
               <a:buNone/>
-              <a:defRPr b="1" sz="2375">
+              <a:defRPr b="1" sz="2070">
                 <a:latin typeface="Cambria"/>
                 <a:ea typeface="Cambria"/>
                 <a:cs typeface="Cambria"/>
@@ -5688,7 +5892,7 @@
             </a:r>
           </a:p>
           <a:p>
-            <a:pPr marL="0" indent="0" algn="ctr" defTabSz="868680">
+            <a:pPr marL="0" indent="0" algn="ctr" defTabSz="822959">
               <a:lnSpc>
                 <a:spcPct val="40000"/>
               </a:lnSpc>
@@ -5699,11 +5903,16 @@
               <a:buSzTx/>
               <a:buFontTx/>
               <a:buNone/>
-              <a:defRPr b="1" sz="2375"/>
+              <a:defRPr b="1" sz="2250">
+                <a:latin typeface="Cambria"/>
+                <a:ea typeface="Cambria"/>
+                <a:cs typeface="Cambria"/>
+                <a:sym typeface="Cambria"/>
+              </a:defRPr>
             </a:pPr>
           </a:p>
           <a:p>
-            <a:pPr marL="0" indent="0" algn="just" defTabSz="868680">
+            <a:pPr marL="0" indent="0" algn="ctr" defTabSz="822959">
               <a:spcBef>
                 <a:spcPts val="200"/>
               </a:spcBef>
@@ -5711,7 +5920,47 @@
               <a:buSzTx/>
               <a:buFontTx/>
               <a:buNone/>
-              <a:defRPr sz="1994">
+              <a:defRPr b="1" sz="1350">
+                <a:latin typeface="Cambria"/>
+                <a:ea typeface="Cambria"/>
+                <a:cs typeface="Cambria"/>
+                <a:sym typeface="Cambria"/>
+              </a:defRPr>
+            </a:pPr>
+            <a:r>
+              <a:t>Presented on Fifth International Conference on Computing Methodologies and Communication (ICCMC - 2021)</a:t>
+            </a:r>
+          </a:p>
+          <a:p>
+            <a:pPr marL="0" indent="0" algn="ctr" defTabSz="822959">
+              <a:lnSpc>
+                <a:spcPct val="40000"/>
+              </a:lnSpc>
+              <a:spcBef>
+                <a:spcPts val="200"/>
+              </a:spcBef>
+              <a:buClrTx/>
+              <a:buSzTx/>
+              <a:buFontTx/>
+              <a:buNone/>
+              <a:defRPr b="1" sz="1350">
+                <a:latin typeface="Cambria"/>
+                <a:ea typeface="Cambria"/>
+                <a:cs typeface="Cambria"/>
+                <a:sym typeface="Cambria"/>
+              </a:defRPr>
+            </a:pPr>
+          </a:p>
+          <a:p>
+            <a:pPr marL="0" indent="0" algn="just" defTabSz="822959">
+              <a:spcBef>
+                <a:spcPts val="200"/>
+              </a:spcBef>
+              <a:buClrTx/>
+              <a:buSzTx/>
+              <a:buFontTx/>
+              <a:buNone/>
+              <a:defRPr sz="1890">
                 <a:latin typeface="Cambria"/>
                 <a:ea typeface="Cambria"/>
                 <a:cs typeface="Cambria"/>
@@ -5951,7 +6200,7 @@
               <a:buSzTx/>
               <a:buFontTx/>
               <a:buNone/>
-              <a:defRPr b="1" sz="2425">
+              <a:defRPr b="1" sz="2231">
                 <a:latin typeface="Cambria"/>
                 <a:ea typeface="Cambria"/>
                 <a:cs typeface="Cambria"/>
@@ -5983,6 +6232,53 @@
             </a:pPr>
           </a:p>
           <a:p>
+            <a:pPr marL="0" indent="0" algn="ctr" defTabSz="886968">
+              <a:spcBef>
+                <a:spcPts val="200"/>
+              </a:spcBef>
+              <a:buClrTx/>
+              <a:buSzTx/>
+              <a:buFontTx/>
+              <a:buNone/>
+              <a:defRPr b="1" sz="1455">
+                <a:latin typeface="Cambria"/>
+                <a:ea typeface="Cambria"/>
+                <a:cs typeface="Cambria"/>
+                <a:sym typeface="Cambria"/>
+              </a:defRPr>
+            </a:pPr>
+            <a:r>
+              <a:t>Presented by 2020 19</a:t>
+            </a:r>
+            <a:r>
+              <a:rPr baseline="31999"/>
+              <a:t>th</a:t>
+            </a:r>
+            <a:r>
+              <a:t> IEEE International Conference on Machine Learning and Applications (ICMLA)</a:t>
+            </a:r>
+          </a:p>
+          <a:p>
+            <a:pPr marL="0" indent="0" algn="ctr" defTabSz="886968">
+              <a:lnSpc>
+                <a:spcPct val="40000"/>
+              </a:lnSpc>
+              <a:spcBef>
+                <a:spcPts val="200"/>
+              </a:spcBef>
+              <a:buClrTx/>
+              <a:buSzTx/>
+              <a:buFontTx/>
+              <a:buNone/>
+              <a:defRPr b="1" sz="1455">
+                <a:latin typeface="Cambria"/>
+                <a:ea typeface="Cambria"/>
+                <a:cs typeface="Cambria"/>
+                <a:sym typeface="Cambria"/>
+              </a:defRPr>
+            </a:pPr>
+          </a:p>
+          <a:p>
             <a:pPr marL="0" indent="0" algn="just" defTabSz="886968">
               <a:spcBef>
                 <a:spcPts val="200"/>
@@ -5999,7 +6295,7 @@
               </a:defRPr>
             </a:pPr>
             <a:r>
-              <a:t>Customers who seek the services at supermarkets are subjected to inconsistencies &amp; ambiguities over choosing their desired products from a wide range of products with the closest quality. Meanwhile, supermarkets find it very difficult to satiate the customers’ demand. Therefore, proposing a method to analyze the customers’ need plays an important role in attracting new and regular customers. The purpose of this study is to formulate a product recommendation system which analyze customers’ needs and thus recommend the best products. This system recommends products to the regular customers and to the new customers as well. New customers mean obviously the customers with no purchasing history at the supermarket in question. The system referred to recommends the products to the new customers using up two method. One method recommends the most popular products while the other method solely focuses on the product description for recommendation.</a:t>
+              <a:t>Customers who seek the services at supermarkets are subjected to inconsistencies &amp; ambiguities over choosing their desired products from a wide range of products with the closest quality. Meanwhile, supermarkets find it very difficult to satiate the customers’ demand. Therefore, proposing a method to analyze the customers’ need plays an important role in attracting new and regular customers. The purpose of this study is to formulate a product recommendation system which analyze customers’ needs and thus recommend the best products. This system recommends products to the regular customers and to the new customers as well. New customers mean obviously the customers with no purchasing history at the supermarket in question. The system referred to recommends the products to the new customers using up two method. </a:t>
             </a:r>
           </a:p>
         </p:txBody>
@@ -6223,12 +6519,15 @@
           <a:bodyPr/>
           <a:lstStyle/>
           <a:p>
-            <a:pPr marL="0" indent="0" algn="ctr">
+            <a:pPr marL="0" indent="0" algn="ctr" defTabSz="886968">
+              <a:spcBef>
+                <a:spcPts val="200"/>
+              </a:spcBef>
               <a:buClrTx/>
               <a:buSzTx/>
               <a:buFontTx/>
               <a:buNone/>
-              <a:defRPr b="1" sz="2500">
+              <a:defRPr b="1" sz="2231">
                 <a:latin typeface="Cambria"/>
                 <a:ea typeface="Cambria"/>
                 <a:cs typeface="Cambria"/>
@@ -6240,12 +6539,15 @@
             </a:r>
           </a:p>
           <a:p>
-            <a:pPr marL="0" indent="0" algn="ctr">
+            <a:pPr marL="0" indent="0" algn="ctr" defTabSz="886968">
+              <a:spcBef>
+                <a:spcPts val="200"/>
+              </a:spcBef>
               <a:buClrTx/>
               <a:buSzTx/>
               <a:buFontTx/>
               <a:buNone/>
-              <a:defRPr sz="2500">
+              <a:defRPr sz="2037">
                 <a:solidFill>
                   <a:srgbClr val="A7A7A7"/>
                 </a:solidFill>
@@ -6260,15 +6562,18 @@
             </a:r>
           </a:p>
           <a:p>
-            <a:pPr marL="0" indent="0" algn="ctr">
+            <a:pPr marL="0" indent="0" algn="ctr" defTabSz="886968">
               <a:lnSpc>
                 <a:spcPct val="40000"/>
               </a:lnSpc>
+              <a:spcBef>
+                <a:spcPts val="200"/>
+              </a:spcBef>
               <a:buClrTx/>
               <a:buSzTx/>
               <a:buFontTx/>
               <a:buNone/>
-              <a:defRPr b="1" sz="2500">
+              <a:defRPr b="1" sz="2425">
                 <a:latin typeface="Cambria"/>
                 <a:ea typeface="Cambria"/>
                 <a:cs typeface="Cambria"/>
@@ -6277,12 +6582,15 @@
             </a:pPr>
           </a:p>
           <a:p>
-            <a:pPr marL="0" indent="0" algn="just">
+            <a:pPr marL="0" indent="0" algn="just" defTabSz="886968">
+              <a:spcBef>
+                <a:spcPts val="200"/>
+              </a:spcBef>
               <a:buClrTx/>
               <a:buSzTx/>
               <a:buFontTx/>
               <a:buNone/>
-              <a:defRPr sz="2100">
+              <a:defRPr sz="2037">
                 <a:latin typeface="Cambria"/>
                 <a:ea typeface="Cambria"/>
                 <a:cs typeface="Cambria"/>
@@ -6290,7 +6598,7 @@
               </a:defRPr>
             </a:pPr>
             <a:r>
-              <a:t>The system recommends the products to the regular customers using up user-based collaborative filtering, item based collaborative filtering and association rule mining. It recommends products to regular customers based on purchasing history and priority ratings given by other users who bought the products. Initially, the recommendation algorithm finds a set of customers who purchased and rated the products that overlap with the user who purchased and rated the products. The algorithm aggregates products from the customers with similar preference and eliminates the products the user has already purchased or rated. The proposed methodology improves the shopping experience of customers by recommending accurately and efficiently the products that are personalized to the need of the customers. </a:t>
+              <a:t>One method recommends the most popular products while the other method solely focuses on the product description for recommendation. The system recommends the products to the regular customers using up user-based collaborative filtering, item based collaborative filtering and association rule mining. It recommends products to regular customers based on purchasing history and priority ratings given by other users who bought the products. Initially, the recommendation algorithm finds a set of customers who purchased and rated the products that overlap with the user who purchased and rated the products. The algorithm aggregates products from the customers with similar preference and eliminates the products the user has already purchased or rated. The proposed methodology improves the shopping experience of customers by recommending accurately and efficiently the products that are personalized to the need of the customers. </a:t>
             </a:r>
           </a:p>
         </p:txBody>
